--- a/CalendarioAgo2022/presentaciones/16_POO_Herencia.pptx
+++ b/CalendarioAgo2022/presentaciones/16_POO_Herencia.pptx
@@ -4471,7 +4471,7 @@
         <p:spPr>
           <a:xfrm>
             <a:off x="539552" y="1412776"/>
-            <a:ext cx="8136904" cy="2734249"/>
+            <a:ext cx="8136904" cy="4032448"/>
           </a:xfrm>
           <a:prstGeom prst="rect">
             <a:avLst/>
@@ -4628,7 +4628,7 @@
               </a:spcBef>
             </a:pPr>
             <a:r>
-              <a:rPr lang="es-ES" altLang="es-MX" sz="1200" dirty="0">
+              <a:rPr lang="es-ES" altLang="es-MX" sz="1600" dirty="0">
                 <a:solidFill>
                   <a:schemeClr val="bg2">
                     <a:lumMod val="10000"/>
@@ -4639,7 +4639,7 @@
               <a:t>Define la clase </a:t>
             </a:r>
             <a:r>
-              <a:rPr lang="es-ES" altLang="es-MX" sz="1200" b="1" dirty="0">
+              <a:rPr lang="es-ES" altLang="es-MX" sz="1600" b="1" dirty="0">
                 <a:solidFill>
                   <a:schemeClr val="accent6">
                     <a:lumMod val="75000"/>
@@ -4650,7 +4650,7 @@
               <a:t>Coche</a:t>
             </a:r>
             <a:r>
-              <a:rPr lang="es-ES" altLang="es-MX" sz="1200" dirty="0">
+              <a:rPr lang="es-ES" altLang="es-MX" sz="1600" dirty="0">
                 <a:solidFill>
                   <a:schemeClr val="bg2">
                     <a:lumMod val="10000"/>
@@ -4671,7 +4671,7 @@
               </a:spcBef>
             </a:pPr>
             <a:r>
-              <a:rPr lang="es-ES" altLang="es-MX" sz="1200" dirty="0">
+              <a:rPr lang="es-ES" altLang="es-MX" sz="1600" dirty="0">
                 <a:solidFill>
                   <a:schemeClr val="bg2">
                     <a:lumMod val="10000"/>
@@ -4682,7 +4682,7 @@
               <a:t>Define el atributo de clase </a:t>
             </a:r>
             <a:r>
-              <a:rPr lang="es-ES" altLang="es-MX" sz="1200" b="1" dirty="0">
+              <a:rPr lang="es-ES" altLang="es-MX" sz="1600" b="1" dirty="0">
                 <a:solidFill>
                   <a:schemeClr val="bg2">
                     <a:lumMod val="10000"/>
@@ -4693,7 +4693,7 @@
               <a:t>ruedas</a:t>
             </a:r>
             <a:r>
-              <a:rPr lang="es-ES" altLang="es-MX" sz="1200" dirty="0">
+              <a:rPr lang="es-ES" altLang="es-MX" sz="1600" dirty="0">
                 <a:solidFill>
                   <a:schemeClr val="bg2">
                     <a:lumMod val="10000"/>
@@ -4714,7 +4714,7 @@
               </a:spcBef>
             </a:pPr>
             <a:r>
-              <a:rPr lang="es-ES" altLang="es-MX" sz="1200" dirty="0">
+              <a:rPr lang="es-ES" altLang="es-MX" sz="1600" dirty="0">
                 <a:solidFill>
                   <a:schemeClr val="bg2">
                     <a:lumMod val="10000"/>
@@ -4725,7 +4725,7 @@
               <a:t>Define en el constructor los atributos de instancia </a:t>
             </a:r>
             <a:r>
-              <a:rPr lang="es-ES" altLang="es-MX" sz="1200" b="1" dirty="0">
+              <a:rPr lang="es-ES" altLang="es-MX" sz="1600" b="1" dirty="0">
                 <a:solidFill>
                   <a:schemeClr val="bg2">
                     <a:lumMod val="10000"/>
@@ -4736,7 +4736,7 @@
               <a:t>color</a:t>
             </a:r>
             <a:r>
-              <a:rPr lang="es-ES" altLang="es-MX" sz="1200" dirty="0">
+              <a:rPr lang="es-ES" altLang="es-MX" sz="1600" dirty="0">
                 <a:solidFill>
                   <a:schemeClr val="bg2">
                     <a:lumMod val="10000"/>
@@ -4747,7 +4747,7 @@
               <a:t>,</a:t>
             </a:r>
             <a:r>
-              <a:rPr lang="es-ES" altLang="es-MX" sz="1200" b="1" dirty="0">
+              <a:rPr lang="es-ES" altLang="es-MX" sz="1600" b="1" dirty="0">
                 <a:solidFill>
                   <a:schemeClr val="bg2">
                     <a:lumMod val="10000"/>
@@ -4758,7 +4758,7 @@
               <a:t> aceleración</a:t>
             </a:r>
             <a:r>
-              <a:rPr lang="es-ES" altLang="es-MX" sz="1200" dirty="0">
+              <a:rPr lang="es-ES" altLang="es-MX" sz="1600" dirty="0">
                 <a:solidFill>
                   <a:schemeClr val="bg2">
                     <a:lumMod val="10000"/>
@@ -4769,7 +4769,7 @@
               <a:t> y </a:t>
             </a:r>
             <a:r>
-              <a:rPr lang="es-ES" altLang="es-MX" sz="1200" b="1" dirty="0">
+              <a:rPr lang="es-ES" altLang="es-MX" sz="1600" b="1" dirty="0">
                 <a:solidFill>
                   <a:schemeClr val="bg2">
                     <a:lumMod val="10000"/>
@@ -4780,7 +4780,7 @@
               <a:t>velocidad</a:t>
             </a:r>
             <a:r>
-              <a:rPr lang="es-ES" altLang="es-MX" sz="1200" dirty="0">
+              <a:rPr lang="es-ES" altLang="es-MX" sz="1600" dirty="0">
                 <a:solidFill>
                   <a:schemeClr val="bg2">
                     <a:lumMod val="10000"/>
@@ -4791,7 +4791,7 @@
               <a:t>. Los atributos </a:t>
             </a:r>
             <a:r>
-              <a:rPr lang="es-ES" altLang="es-MX" sz="1200" b="1" dirty="0">
+              <a:rPr lang="es-ES" altLang="es-MX" sz="1600" b="1" dirty="0">
                 <a:solidFill>
                   <a:schemeClr val="bg2">
                     <a:lumMod val="10000"/>
@@ -4802,7 +4802,7 @@
               <a:t>color</a:t>
             </a:r>
             <a:r>
-              <a:rPr lang="es-ES" altLang="es-MX" sz="1200" dirty="0">
+              <a:rPr lang="es-ES" altLang="es-MX" sz="1600" dirty="0">
                 <a:solidFill>
                   <a:schemeClr val="bg2">
                     <a:lumMod val="10000"/>
@@ -4813,7 +4813,7 @@
               <a:t> y </a:t>
             </a:r>
             <a:r>
-              <a:rPr lang="es-ES" altLang="es-MX" sz="1200" b="1" dirty="0">
+              <a:rPr lang="es-ES" altLang="es-MX" sz="1600" b="1" dirty="0">
                 <a:solidFill>
                   <a:schemeClr val="bg2">
                     <a:lumMod val="10000"/>
@@ -4824,7 +4824,7 @@
               <a:t>aceleración</a:t>
             </a:r>
             <a:r>
-              <a:rPr lang="es-ES" altLang="es-MX" sz="1200" dirty="0">
+              <a:rPr lang="es-ES" altLang="es-MX" sz="1600" dirty="0">
                 <a:solidFill>
                   <a:schemeClr val="bg2">
                     <a:lumMod val="10000"/>
@@ -4845,7 +4845,7 @@
               </a:spcBef>
             </a:pPr>
             <a:r>
-              <a:rPr lang="es-ES" altLang="es-MX" sz="1200" dirty="0">
+              <a:rPr lang="es-ES" altLang="es-MX" sz="1600" dirty="0">
                 <a:solidFill>
                   <a:schemeClr val="bg2">
                     <a:lumMod val="10000"/>
@@ -4856,7 +4856,7 @@
               <a:t>Crea el método </a:t>
             </a:r>
             <a:r>
-              <a:rPr lang="es-ES" altLang="es-MX" sz="1200" b="1" dirty="0">
+              <a:rPr lang="es-ES" altLang="es-MX" sz="1600" b="1" dirty="0">
                 <a:solidFill>
                   <a:schemeClr val="bg2">
                     <a:lumMod val="10000"/>
@@ -4867,7 +4867,7 @@
               <a:t>acelera</a:t>
             </a:r>
             <a:r>
-              <a:rPr lang="es-ES" altLang="es-MX" sz="1200" dirty="0">
+              <a:rPr lang="es-ES" altLang="es-MX" sz="1600" dirty="0">
                 <a:solidFill>
                   <a:schemeClr val="bg2">
                     <a:lumMod val="10000"/>
@@ -4888,7 +4888,7 @@
               </a:spcBef>
             </a:pPr>
             <a:r>
-              <a:rPr lang="es-ES" altLang="es-MX" sz="1200" dirty="0">
+              <a:rPr lang="es-ES" altLang="es-MX" sz="1600" dirty="0">
                 <a:solidFill>
                   <a:schemeClr val="bg2">
                     <a:lumMod val="10000"/>
@@ -4899,7 +4899,7 @@
               <a:t>Crea el método </a:t>
             </a:r>
             <a:r>
-              <a:rPr lang="es-ES" altLang="es-MX" sz="1200" b="1" dirty="0">
+              <a:rPr lang="es-ES" altLang="es-MX" sz="1600" b="1" dirty="0">
                 <a:solidFill>
                   <a:schemeClr val="bg2">
                     <a:lumMod val="10000"/>
@@ -4910,7 +4910,7 @@
               <a:t>frena</a:t>
             </a:r>
             <a:r>
-              <a:rPr lang="es-ES" altLang="es-MX" sz="1200" dirty="0">
+              <a:rPr lang="es-ES" altLang="es-MX" sz="1600" dirty="0">
                 <a:solidFill>
                   <a:schemeClr val="bg2">
                     <a:lumMod val="10000"/>
@@ -4931,7 +4931,7 @@
               </a:spcBef>
             </a:pPr>
             <a:r>
-              <a:rPr lang="es-ES" altLang="es-MX" sz="1200" dirty="0">
+              <a:rPr lang="es-ES" altLang="es-MX" sz="1600" dirty="0">
                 <a:solidFill>
                   <a:schemeClr val="bg2">
                     <a:lumMod val="10000"/>
@@ -4942,7 +4942,7 @@
               <a:t>Crea el método </a:t>
             </a:r>
             <a:r>
-              <a:rPr lang="es-ES" altLang="es-MX" sz="1200" b="1" dirty="0">
+              <a:rPr lang="es-ES" altLang="es-MX" sz="1600" b="1" dirty="0">
                 <a:solidFill>
                   <a:schemeClr val="bg2">
                     <a:lumMod val="10000"/>
@@ -4953,7 +4953,7 @@
               <a:t>mostrar</a:t>
             </a:r>
             <a:r>
-              <a:rPr lang="es-ES" altLang="es-MX" sz="1200" dirty="0">
+              <a:rPr lang="es-ES" altLang="es-MX" sz="1600" dirty="0">
                 <a:solidFill>
                   <a:schemeClr val="bg2">
                     <a:lumMod val="10000"/>
@@ -4964,7 +4964,7 @@
               <a:t> que regrese en un </a:t>
             </a:r>
             <a:r>
-              <a:rPr lang="es-ES" altLang="es-MX" sz="1200" dirty="0" err="1">
+              <a:rPr lang="es-ES" altLang="es-MX" sz="1600" dirty="0" err="1">
                 <a:solidFill>
                   <a:schemeClr val="bg2">
                     <a:lumMod val="10000"/>
@@ -4975,7 +4975,7 @@
               <a:t>string</a:t>
             </a:r>
             <a:r>
-              <a:rPr lang="es-ES" altLang="es-MX" sz="1200" dirty="0">
+              <a:rPr lang="es-ES" altLang="es-MX" sz="1600" dirty="0">
                 <a:solidFill>
                   <a:schemeClr val="bg2">
                     <a:lumMod val="10000"/>
@@ -4986,7 +4986,7 @@
               <a:t> la concatenación de los atributos de instancia (color, aceleración y velocidad) y el atributo de clase (ruedas).</a:t>
             </a:r>
             <a:r>
-              <a:rPr lang="es-ES_tradnl" altLang="es-MX" sz="1200" dirty="0">
+              <a:rPr lang="es-ES_tradnl" altLang="es-MX" sz="1600" dirty="0">
                 <a:solidFill>
                   <a:schemeClr val="bg2">
                     <a:lumMod val="10000"/>
@@ -5142,8 +5142,8 @@
         </p:nvSpPr>
         <p:spPr>
           <a:xfrm>
-            <a:off x="407641" y="1728463"/>
-            <a:ext cx="8208912" cy="2276602"/>
+            <a:off x="581608" y="1772816"/>
+            <a:ext cx="7980783" cy="3312368"/>
           </a:xfrm>
           <a:prstGeom prst="rect">
             <a:avLst/>
@@ -5300,7 +5300,7 @@
               </a:spcBef>
             </a:pPr>
             <a:r>
-              <a:rPr lang="es-ES" altLang="es-MX" sz="1200" dirty="0">
+              <a:rPr lang="es-ES" altLang="es-MX" sz="1600" dirty="0">
                 <a:solidFill>
                   <a:schemeClr val="bg2">
                     <a:lumMod val="10000"/>
@@ -5310,7 +5310,7 @@
               <a:t>Define la clase </a:t>
             </a:r>
             <a:r>
-              <a:rPr lang="es-ES" altLang="es-MX" sz="1200" b="1" dirty="0" err="1">
+              <a:rPr lang="es-ES" altLang="es-MX" sz="1600" b="1" dirty="0" err="1">
                 <a:solidFill>
                   <a:schemeClr val="accent6">
                     <a:lumMod val="75000"/>
@@ -5320,7 +5320,7 @@
               <a:t>CocheVolador</a:t>
             </a:r>
             <a:r>
-              <a:rPr lang="es-ES" altLang="es-MX" sz="1200" b="1" dirty="0">
+              <a:rPr lang="es-ES" altLang="es-MX" sz="1600" b="1" dirty="0">
                 <a:solidFill>
                   <a:schemeClr val="bg2">
                     <a:lumMod val="10000"/>
@@ -5330,7 +5330,7 @@
               <a:t> </a:t>
             </a:r>
             <a:r>
-              <a:rPr lang="es-ES" altLang="es-MX" sz="1200" dirty="0">
+              <a:rPr lang="es-ES" altLang="es-MX" sz="1600" dirty="0">
                 <a:solidFill>
                   <a:schemeClr val="bg2">
                     <a:lumMod val="10000"/>
@@ -5340,7 +5340,7 @@
               <a:t>como una clase hija de la clase </a:t>
             </a:r>
             <a:r>
-              <a:rPr lang="es-ES" altLang="es-MX" sz="1200" b="1" dirty="0">
+              <a:rPr lang="es-ES" altLang="es-MX" sz="1600" b="1" dirty="0">
                 <a:solidFill>
                   <a:schemeClr val="bg2">
                     <a:lumMod val="10000"/>
@@ -5350,7 +5350,7 @@
               <a:t>Coche</a:t>
             </a:r>
             <a:r>
-              <a:rPr lang="es-ES" altLang="es-MX" sz="1200" dirty="0">
+              <a:rPr lang="es-ES" altLang="es-MX" sz="1600" dirty="0">
                 <a:solidFill>
                   <a:schemeClr val="bg2">
                     <a:lumMod val="10000"/>
@@ -5370,7 +5370,7 @@
               </a:spcBef>
             </a:pPr>
             <a:r>
-              <a:rPr lang="es-ES" altLang="es-MX" sz="1200" dirty="0">
+              <a:rPr lang="es-ES" altLang="es-MX" sz="1600" dirty="0">
                 <a:solidFill>
                   <a:schemeClr val="bg2">
                     <a:lumMod val="10000"/>
@@ -5381,7 +5381,7 @@
               <a:t>Define el atributo de clase </a:t>
             </a:r>
             <a:r>
-              <a:rPr lang="es-ES" altLang="es-MX" sz="1200" b="1" dirty="0">
+              <a:rPr lang="es-ES" altLang="es-MX" sz="1600" b="1" dirty="0">
                 <a:solidFill>
                   <a:schemeClr val="bg2">
                     <a:lumMod val="10000"/>
@@ -5392,7 +5392,7 @@
               <a:t>ruedas</a:t>
             </a:r>
             <a:r>
-              <a:rPr lang="es-ES" altLang="es-MX" sz="1200" dirty="0">
+              <a:rPr lang="es-ES" altLang="es-MX" sz="1600" dirty="0">
                 <a:solidFill>
                   <a:schemeClr val="bg2">
                     <a:lumMod val="10000"/>
@@ -5413,7 +5413,7 @@
               </a:spcBef>
             </a:pPr>
             <a:r>
-              <a:rPr lang="es-ES" sz="1200" dirty="0">
+              <a:rPr lang="es-ES" sz="1600" dirty="0">
                 <a:solidFill>
                   <a:srgbClr val="000000"/>
                 </a:solidFill>
@@ -5422,7 +5422,7 @@
               <a:t>Define el método </a:t>
             </a:r>
             <a:r>
-              <a:rPr lang="es-ES" sz="1200" b="1" dirty="0">
+              <a:rPr lang="es-ES" sz="1600" b="1" dirty="0">
                 <a:solidFill>
                   <a:srgbClr val="0000FF"/>
                 </a:solidFill>
@@ -5431,7 +5431,7 @@
               <a:t>constructor</a:t>
             </a:r>
             <a:r>
-              <a:rPr lang="es-ES" sz="1200" dirty="0">
+              <a:rPr lang="es-ES" sz="1600" dirty="0">
                 <a:solidFill>
                   <a:srgbClr val="000000"/>
                 </a:solidFill>
@@ -5440,7 +5440,7 @@
               <a:t> con los atributos de instancia de la super clase </a:t>
             </a:r>
             <a:r>
-              <a:rPr lang="es-ES" sz="1200" b="1" dirty="0">
+              <a:rPr lang="es-ES" sz="1600" b="1" dirty="0">
                 <a:solidFill>
                   <a:srgbClr val="0000FF"/>
                 </a:solidFill>
@@ -5449,7 +5449,7 @@
               <a:t>Coche</a:t>
             </a:r>
             <a:r>
-              <a:rPr lang="es-ES" sz="1200" dirty="0">
+              <a:rPr lang="es-ES" sz="1600" dirty="0">
                 <a:solidFill>
                   <a:srgbClr val="000000"/>
                 </a:solidFill>
@@ -5458,7 +5458,7 @@
               <a:t> y el atributo de instancia de la clase </a:t>
             </a:r>
             <a:r>
-              <a:rPr lang="es-ES" sz="1200" b="1" dirty="0" err="1">
+              <a:rPr lang="es-ES" sz="1600" b="1" dirty="0" err="1">
                 <a:solidFill>
                   <a:srgbClr val="000000"/>
                 </a:solidFill>
@@ -5467,7 +5467,7 @@
               <a:t>CocheVolador</a:t>
             </a:r>
             <a:r>
-              <a:rPr lang="es-ES" sz="1200" dirty="0">
+              <a:rPr lang="es-ES" sz="1600" dirty="0">
                 <a:solidFill>
                   <a:srgbClr val="000000"/>
                 </a:solidFill>
@@ -5476,7 +5476,7 @@
               <a:t>: </a:t>
             </a:r>
             <a:r>
-              <a:rPr lang="es-ES" sz="1200" b="1" dirty="0" err="1">
+              <a:rPr lang="es-ES" sz="1600" b="1" dirty="0" err="1">
                 <a:solidFill>
                   <a:srgbClr val="0000FF"/>
                 </a:solidFill>
@@ -5485,7 +5485,7 @@
               <a:t>esta_volando</a:t>
             </a:r>
             <a:r>
-              <a:rPr lang="es-ES" sz="1200" b="1" dirty="0">
+              <a:rPr lang="es-ES" sz="1600" b="1" dirty="0">
                 <a:solidFill>
                   <a:srgbClr val="0000FF"/>
                 </a:solidFill>
@@ -5494,7 +5494,7 @@
               <a:t> = False</a:t>
             </a:r>
             <a:r>
-              <a:rPr lang="es-ES" sz="1200" dirty="0">
+              <a:rPr lang="es-ES" sz="1600" dirty="0">
                 <a:solidFill>
                   <a:srgbClr val="000000"/>
                 </a:solidFill>
@@ -5513,7 +5513,7 @@
               </a:spcBef>
             </a:pPr>
             <a:r>
-              <a:rPr lang="es-ES" altLang="es-MX" sz="1200" dirty="0">
+              <a:rPr lang="es-ES" altLang="es-MX" sz="1600" dirty="0">
                 <a:solidFill>
                   <a:schemeClr val="bg2">
                     <a:lumMod val="10000"/>
@@ -5523,7 +5523,7 @@
               <a:t>Crea el método </a:t>
             </a:r>
             <a:r>
-              <a:rPr lang="es-ES" altLang="es-MX" sz="1200" b="1" dirty="0">
+              <a:rPr lang="es-ES" altLang="es-MX" sz="1600" b="1" dirty="0">
                 <a:solidFill>
                   <a:srgbClr val="0000FF"/>
                 </a:solidFill>
@@ -5531,7 +5531,7 @@
               <a:t>vuela</a:t>
             </a:r>
             <a:r>
-              <a:rPr lang="es-ES" altLang="es-MX" sz="1200" dirty="0">
+              <a:rPr lang="es-ES" altLang="es-MX" sz="1600" dirty="0">
                 <a:solidFill>
                   <a:schemeClr val="bg2">
                     <a:lumMod val="10000"/>
@@ -5541,7 +5541,7 @@
               <a:t> que modifique el atributo </a:t>
             </a:r>
             <a:r>
-              <a:rPr lang="es-ES" altLang="es-MX" sz="1200" b="1" dirty="0" err="1">
+              <a:rPr lang="es-ES" altLang="es-MX" sz="1600" b="1" dirty="0" err="1">
                 <a:solidFill>
                   <a:srgbClr val="3333CC"/>
                 </a:solidFill>
@@ -5549,7 +5549,7 @@
               <a:t>esta_volando</a:t>
             </a:r>
             <a:r>
-              <a:rPr lang="es-ES" altLang="es-MX" sz="1200" dirty="0">
+              <a:rPr lang="es-ES" altLang="es-MX" sz="1600" dirty="0">
                 <a:solidFill>
                   <a:srgbClr val="3333CC"/>
                 </a:solidFill>
@@ -5557,7 +5557,7 @@
               <a:t> </a:t>
             </a:r>
             <a:r>
-              <a:rPr lang="es-ES" altLang="es-MX" sz="1200" dirty="0">
+              <a:rPr lang="es-ES" altLang="es-MX" sz="1600" dirty="0">
                 <a:solidFill>
                   <a:schemeClr val="bg2">
                     <a:lumMod val="10000"/>
@@ -5567,7 +5567,7 @@
               <a:t>a </a:t>
             </a:r>
             <a:r>
-              <a:rPr lang="es-ES" altLang="es-MX" sz="1200" b="1" dirty="0">
+              <a:rPr lang="es-ES" altLang="es-MX" sz="1600" b="1" dirty="0">
                 <a:solidFill>
                   <a:schemeClr val="bg2">
                     <a:lumMod val="10000"/>
@@ -5577,7 +5577,7 @@
               <a:t>True</a:t>
             </a:r>
             <a:r>
-              <a:rPr lang="es-ES" altLang="es-MX" sz="1200" dirty="0">
+              <a:rPr lang="es-ES" altLang="es-MX" sz="1600" dirty="0">
                 <a:solidFill>
                   <a:schemeClr val="bg2">
                     <a:lumMod val="10000"/>
@@ -5597,7 +5597,7 @@
               </a:spcBef>
             </a:pPr>
             <a:r>
-              <a:rPr lang="es-ES" altLang="es-MX" sz="1200" dirty="0">
+              <a:rPr lang="es-ES" altLang="es-MX" sz="1600" dirty="0">
                 <a:solidFill>
                   <a:schemeClr val="bg2">
                     <a:lumMod val="10000"/>
@@ -5607,7 +5607,7 @@
               <a:t>Crea el método </a:t>
             </a:r>
             <a:r>
-              <a:rPr lang="es-ES" altLang="es-MX" sz="1200" b="1" dirty="0">
+              <a:rPr lang="es-ES" altLang="es-MX" sz="1600" b="1" dirty="0">
                 <a:solidFill>
                   <a:srgbClr val="0000FF"/>
                 </a:solidFill>
@@ -5615,7 +5615,7 @@
               <a:t>aterriza</a:t>
             </a:r>
             <a:r>
-              <a:rPr lang="es-ES" altLang="es-MX" sz="1200" dirty="0">
+              <a:rPr lang="es-ES" altLang="es-MX" sz="1600" dirty="0">
                 <a:solidFill>
                   <a:schemeClr val="bg2">
                     <a:lumMod val="10000"/>
@@ -5625,7 +5625,7 @@
               <a:t> que modifique el atributo </a:t>
             </a:r>
             <a:r>
-              <a:rPr lang="es-ES" altLang="es-MX" sz="1200" b="1" dirty="0" err="1">
+              <a:rPr lang="es-ES" altLang="es-MX" sz="1600" b="1" dirty="0" err="1">
                 <a:solidFill>
                   <a:srgbClr val="3333CC"/>
                 </a:solidFill>
@@ -5633,7 +5633,7 @@
               <a:t>esta_volando</a:t>
             </a:r>
             <a:r>
-              <a:rPr lang="es-ES" altLang="es-MX" sz="1200" dirty="0">
+              <a:rPr lang="es-ES" altLang="es-MX" sz="1600" dirty="0">
                 <a:solidFill>
                   <a:srgbClr val="3333CC"/>
                 </a:solidFill>
@@ -5641,7 +5641,7 @@
               <a:t> </a:t>
             </a:r>
             <a:r>
-              <a:rPr lang="es-ES" altLang="es-MX" sz="1200" dirty="0">
+              <a:rPr lang="es-ES" altLang="es-MX" sz="1600" dirty="0">
                 <a:solidFill>
                   <a:schemeClr val="bg2">
                     <a:lumMod val="10000"/>
@@ -5651,7 +5651,7 @@
               <a:t>a </a:t>
             </a:r>
             <a:r>
-              <a:rPr lang="es-ES" altLang="es-MX" sz="1200" b="1" dirty="0">
+              <a:rPr lang="es-ES" altLang="es-MX" sz="1600" b="1" dirty="0">
                 <a:solidFill>
                   <a:schemeClr val="bg2">
                     <a:lumMod val="10000"/>
@@ -5661,7 +5661,7 @@
               <a:t>True</a:t>
             </a:r>
             <a:r>
-              <a:rPr lang="es-ES" altLang="es-MX" sz="1200" dirty="0">
+              <a:rPr lang="es-ES" altLang="es-MX" sz="1600" dirty="0">
                 <a:solidFill>
                   <a:schemeClr val="bg2">
                     <a:lumMod val="10000"/>
@@ -5681,7 +5681,7 @@
               </a:spcBef>
             </a:pPr>
             <a:r>
-              <a:rPr lang="es-ES" altLang="es-MX" sz="1200" dirty="0">
+              <a:rPr lang="es-ES" altLang="es-MX" sz="1600" dirty="0">
                 <a:solidFill>
                   <a:schemeClr val="bg2">
                     <a:lumMod val="10000"/>
@@ -5691,7 +5691,7 @@
               <a:t>Crea el método </a:t>
             </a:r>
             <a:r>
-              <a:rPr lang="es-ES" altLang="es-MX" sz="1200" b="1" dirty="0">
+              <a:rPr lang="es-ES" altLang="es-MX" sz="1600" b="1" dirty="0">
                 <a:solidFill>
                   <a:srgbClr val="3333CC"/>
                 </a:solidFill>
@@ -5699,7 +5699,7 @@
               <a:t>mostrar</a:t>
             </a:r>
             <a:r>
-              <a:rPr lang="es-ES" altLang="es-MX" sz="1200" dirty="0">
+              <a:rPr lang="es-ES" altLang="es-MX" sz="1600" dirty="0">
                 <a:solidFill>
                   <a:schemeClr val="bg2">
                     <a:lumMod val="10000"/>
@@ -5709,7 +5709,7 @@
               <a:t> que regrese en un </a:t>
             </a:r>
             <a:r>
-              <a:rPr lang="es-ES" altLang="es-MX" sz="1200" dirty="0" err="1">
+              <a:rPr lang="es-ES" altLang="es-MX" sz="1600" dirty="0" err="1">
                 <a:solidFill>
                   <a:schemeClr val="bg2">
                     <a:lumMod val="10000"/>
@@ -5719,7 +5719,7 @@
               <a:t>string</a:t>
             </a:r>
             <a:r>
-              <a:rPr lang="es-ES" altLang="es-MX" sz="1200" dirty="0">
+              <a:rPr lang="es-ES" altLang="es-MX" sz="1600" dirty="0">
                 <a:solidFill>
                   <a:schemeClr val="bg2">
                     <a:lumMod val="10000"/>
@@ -5729,7 +5729,7 @@
               <a:t> la concatenación de los atributos de instancia y clase.</a:t>
             </a:r>
             <a:r>
-              <a:rPr lang="es-ES_tradnl" altLang="es-MX" sz="1200" dirty="0">
+              <a:rPr lang="es-ES_tradnl" altLang="es-MX" sz="1600" dirty="0">
                 <a:solidFill>
                   <a:schemeClr val="bg2">
                     <a:lumMod val="10000"/>
